--- a/2015-2016/clases/informatica_basica/a/exposicion/g6/Exposi Informat.pptx
+++ b/2015-2016/clases/informatica_basica/a/exposicion/g6/Exposi Informat.pptx
@@ -4437,9 +4437,9 @@
     <dgm:cxn modelId="{1DBA539F-0D7B-45ED-BB4E-91702B7005B0}" type="presOf" srcId="{E2629E10-BAE5-443C-82E2-B0236FAAA07C}" destId="{9E5EA9C0-AA51-4EE9-B32A-162A16240D20}" srcOrd="0" destOrd="0" presId="urn:microsoft.com/office/officeart/2005/8/layout/matrix3"/>
     <dgm:cxn modelId="{513AFC5C-F7FD-4DF6-9CDE-608004242F39}" type="presOf" srcId="{553FBF5C-1AA6-4AF7-9C14-9C22FB92B77A}" destId="{671FC505-50E3-40FF-9839-BB1734032DB0}" srcOrd="0" destOrd="0" presId="urn:microsoft.com/office/officeart/2005/8/layout/matrix3"/>
     <dgm:cxn modelId="{4DFAE922-BB9B-4B1C-B6C7-1B499E0A74F7}" srcId="{F96D625B-E9B4-4951-85DB-135AA7F8A0FB}" destId="{FF5361FF-8AE1-4A68-A1F6-C5E947B282C2}" srcOrd="2" destOrd="0" parTransId="{185327CE-9D56-4CBD-9ECE-D4F49A0FB03D}" sibTransId="{510EB710-D638-496C-B52E-D61101352C0A}"/>
+    <dgm:cxn modelId="{C3D5DC0E-D417-4275-B078-BFA357844A15}" srcId="{F96D625B-E9B4-4951-85DB-135AA7F8A0FB}" destId="{E2629E10-BAE5-443C-82E2-B0236FAAA07C}" srcOrd="0" destOrd="0" parTransId="{A965B34A-4026-4FB8-87B0-88524C37C4D6}" sibTransId="{6746C982-9476-4381-B469-ABE848E83F41}"/>
+    <dgm:cxn modelId="{E9BF5077-94F5-4CC3-974E-A2C8D4FE874F}" type="presOf" srcId="{F96D625B-E9B4-4951-85DB-135AA7F8A0FB}" destId="{DD9E6102-2A8C-4804-9478-2DFC2B7BD3D8}" srcOrd="0" destOrd="0" presId="urn:microsoft.com/office/officeart/2005/8/layout/matrix3"/>
     <dgm:cxn modelId="{4BACF9BF-0218-419A-96E6-FDB1BC92D503}" type="presOf" srcId="{FF5361FF-8AE1-4A68-A1F6-C5E947B282C2}" destId="{F4759A4C-6580-473F-B726-8EB27A3D3328}" srcOrd="0" destOrd="0" presId="urn:microsoft.com/office/officeart/2005/8/layout/matrix3"/>
-    <dgm:cxn modelId="{E9BF5077-94F5-4CC3-974E-A2C8D4FE874F}" type="presOf" srcId="{F96D625B-E9B4-4951-85DB-135AA7F8A0FB}" destId="{DD9E6102-2A8C-4804-9478-2DFC2B7BD3D8}" srcOrd="0" destOrd="0" presId="urn:microsoft.com/office/officeart/2005/8/layout/matrix3"/>
-    <dgm:cxn modelId="{C3D5DC0E-D417-4275-B078-BFA357844A15}" srcId="{F96D625B-E9B4-4951-85DB-135AA7F8A0FB}" destId="{E2629E10-BAE5-443C-82E2-B0236FAAA07C}" srcOrd="0" destOrd="0" parTransId="{A965B34A-4026-4FB8-87B0-88524C37C4D6}" sibTransId="{6746C982-9476-4381-B469-ABE848E83F41}"/>
     <dgm:cxn modelId="{1D45EB6E-0F40-4CFF-A098-59B8F7C2658E}" type="presOf" srcId="{CCF47CE5-2348-456A-9B50-D52CFF9BB97E}" destId="{4C912741-9511-4F42-B67A-57B0B78A2D65}" srcOrd="0" destOrd="0" presId="urn:microsoft.com/office/officeart/2005/8/layout/matrix3"/>
     <dgm:cxn modelId="{0BBD0A93-36E6-43B9-9210-6C56BB913C58}" type="presParOf" srcId="{DD9E6102-2A8C-4804-9478-2DFC2B7BD3D8}" destId="{13A3AE15-D7EC-4EA5-8386-9BA67D5E1974}" srcOrd="0" destOrd="0" presId="urn:microsoft.com/office/officeart/2005/8/layout/matrix3"/>
     <dgm:cxn modelId="{6F62B5DD-590B-4CAF-A1DA-51AE123FDD3E}" type="presParOf" srcId="{DD9E6102-2A8C-4804-9478-2DFC2B7BD3D8}" destId="{9E5EA9C0-AA51-4EE9-B32A-162A16240D20}" srcOrd="1" destOrd="0" presId="urn:microsoft.com/office/officeart/2005/8/layout/matrix3"/>
@@ -14584,7 +14584,7 @@
           <a:p>
             <a:fld id="{A00C322A-697A-469F-9485-BB5FC7E7595F}" type="datetimeFigureOut">
               <a:rPr lang="es-EC" smtClean="0"/>
-              <a:t>19/05/2015</a:t>
+              <a:t>20/05/2015</a:t>
             </a:fld>
             <a:endParaRPr lang="es-EC" dirty="0"/>
           </a:p>
@@ -15320,7 +15320,7 @@
           <a:p>
             <a:fld id="{D5BB7491-5065-43E2-8EF9-C6890753F4C1}" type="datetimeFigureOut">
               <a:rPr lang="es-ES" smtClean="0"/>
-              <a:t>19/05/2015</a:t>
+              <a:t>20/05/2015</a:t>
             </a:fld>
             <a:endParaRPr lang="es-ES" dirty="0"/>
           </a:p>
@@ -15485,7 +15485,7 @@
           <a:p>
             <a:fld id="{D5BB7491-5065-43E2-8EF9-C6890753F4C1}" type="datetimeFigureOut">
               <a:rPr lang="es-ES" smtClean="0"/>
-              <a:t>19/05/2015</a:t>
+              <a:t>20/05/2015</a:t>
             </a:fld>
             <a:endParaRPr lang="es-ES" dirty="0"/>
           </a:p>
@@ -15660,7 +15660,7 @@
           <a:p>
             <a:fld id="{D5BB7491-5065-43E2-8EF9-C6890753F4C1}" type="datetimeFigureOut">
               <a:rPr lang="es-ES" smtClean="0"/>
-              <a:t>19/05/2015</a:t>
+              <a:t>20/05/2015</a:t>
             </a:fld>
             <a:endParaRPr lang="es-ES" dirty="0"/>
           </a:p>
@@ -15825,7 +15825,7 @@
           <a:p>
             <a:fld id="{D5BB7491-5065-43E2-8EF9-C6890753F4C1}" type="datetimeFigureOut">
               <a:rPr lang="es-ES" smtClean="0"/>
-              <a:t>19/05/2015</a:t>
+              <a:t>20/05/2015</a:t>
             </a:fld>
             <a:endParaRPr lang="es-ES" dirty="0"/>
           </a:p>
@@ -16378,7 +16378,7 @@
           <a:p>
             <a:fld id="{D5BB7491-5065-43E2-8EF9-C6890753F4C1}" type="datetimeFigureOut">
               <a:rPr lang="es-ES" smtClean="0"/>
-              <a:t>19/05/2015</a:t>
+              <a:t>20/05/2015</a:t>
             </a:fld>
             <a:endParaRPr lang="es-ES" dirty="0"/>
           </a:p>
@@ -16638,7 +16638,7 @@
           <a:p>
             <a:fld id="{D5BB7491-5065-43E2-8EF9-C6890753F4C1}" type="datetimeFigureOut">
               <a:rPr lang="es-ES" smtClean="0"/>
-              <a:t>19/05/2015</a:t>
+              <a:t>20/05/2015</a:t>
             </a:fld>
             <a:endParaRPr lang="es-ES" dirty="0"/>
           </a:p>
@@ -17126,7 +17126,7 @@
           <a:p>
             <a:fld id="{D5BB7491-5065-43E2-8EF9-C6890753F4C1}" type="datetimeFigureOut">
               <a:rPr lang="es-ES" smtClean="0"/>
-              <a:t>19/05/2015</a:t>
+              <a:t>20/05/2015</a:t>
             </a:fld>
             <a:endParaRPr lang="es-ES" dirty="0"/>
           </a:p>
@@ -17239,7 +17239,7 @@
           <a:p>
             <a:fld id="{D5BB7491-5065-43E2-8EF9-C6890753F4C1}" type="datetimeFigureOut">
               <a:rPr lang="es-ES" smtClean="0"/>
-              <a:t>19/05/2015</a:t>
+              <a:t>20/05/2015</a:t>
             </a:fld>
             <a:endParaRPr lang="es-ES" dirty="0"/>
           </a:p>
@@ -17329,7 +17329,7 @@
           <a:p>
             <a:fld id="{D5BB7491-5065-43E2-8EF9-C6890753F4C1}" type="datetimeFigureOut">
               <a:rPr lang="es-ES" smtClean="0"/>
-              <a:t>19/05/2015</a:t>
+              <a:t>20/05/2015</a:t>
             </a:fld>
             <a:endParaRPr lang="es-ES" dirty="0"/>
           </a:p>
@@ -17759,7 +17759,7 @@
           <a:p>
             <a:fld id="{D5BB7491-5065-43E2-8EF9-C6890753F4C1}" type="datetimeFigureOut">
               <a:rPr lang="es-ES" smtClean="0"/>
-              <a:t>19/05/2015</a:t>
+              <a:t>20/05/2015</a:t>
             </a:fld>
             <a:endParaRPr lang="es-ES" dirty="0"/>
           </a:p>
@@ -18292,7 +18292,7 @@
           <a:p>
             <a:fld id="{D5BB7491-5065-43E2-8EF9-C6890753F4C1}" type="datetimeFigureOut">
               <a:rPr lang="es-ES" smtClean="0"/>
-              <a:t>19/05/2015</a:t>
+              <a:t>20/05/2015</a:t>
             </a:fld>
             <a:endParaRPr lang="es-ES" dirty="0"/>
           </a:p>
@@ -19132,7 +19132,7 @@
           <a:p>
             <a:fld id="{D5BB7491-5065-43E2-8EF9-C6890753F4C1}" type="datetimeFigureOut">
               <a:rPr lang="es-ES" smtClean="0"/>
-              <a:t>19/05/2015</a:t>
+              <a:t>20/05/2015</a:t>
             </a:fld>
             <a:endParaRPr lang="es-ES" dirty="0"/>
           </a:p>
@@ -22551,6 +22551,13 @@
   <p:clrMapOvr>
     <a:masterClrMapping/>
   </p:clrMapOvr>
+  <p:timing>
+    <p:tnLst>
+      <p:par>
+        <p:cTn id="1" dur="indefinite" restart="never" nodeType="tmRoot"/>
+      </p:par>
+    </p:tnLst>
+  </p:timing>
 </p:sld>
 </file>
 
@@ -22903,6 +22910,13 @@
   <p:clrMapOvr>
     <a:masterClrMapping/>
   </p:clrMapOvr>
+  <p:timing>
+    <p:tnLst>
+      <p:par>
+        <p:cTn id="1" dur="indefinite" restart="never" nodeType="tmRoot"/>
+      </p:par>
+    </p:tnLst>
+  </p:timing>
 </p:sld>
 </file>
 
